--- a/2022/June_Batch/5Javascript/2August/29-08-22-Prototype/10javascript - OOPS.pptx
+++ b/2022/June_Batch/5Javascript/2August/29-08-22-Prototype/10javascript - OOPS.pptx
@@ -14,14 +14,6 @@
     <p:sldId id="299" r:id="rId8"/>
     <p:sldId id="300" r:id="rId9"/>
     <p:sldId id="301" r:id="rId10"/>
-    <p:sldId id="302" r:id="rId11"/>
-    <p:sldId id="303" r:id="rId12"/>
-    <p:sldId id="312" r:id="rId13"/>
-    <p:sldId id="304" r:id="rId14"/>
-    <p:sldId id="305" r:id="rId15"/>
-    <p:sldId id="306" r:id="rId16"/>
-    <p:sldId id="313" r:id="rId17"/>
-    <p:sldId id="307" r:id="rId18"/>
   </p:sldIdLst>
   <p:sldSz cx="12192000" cy="6858000"/>
   <p:notesSz cx="6858000" cy="9144000"/>
@@ -122,7 +114,7 @@
   </p:defaultTextStyle>
   <p:extLst>
     <p:ext uri="{EFAFB233-063F-42B5-8137-9DF3F51BA10A}">
-      <p15:sldGuideLst xmlns:p15="http://schemas.microsoft.com/office/powerpoint/2012/main" xmlns="">
+      <p15:sldGuideLst xmlns="" xmlns:p15="http://schemas.microsoft.com/office/powerpoint/2012/main">
         <p15:guide id="1" orient="horz" pos="2160">
           <p15:clr>
             <a:srgbClr val="A4A3A4"/>
@@ -251,7 +243,7 @@
             <a:fld id="{7FCC5AE5-E495-4913-B643-A95A6AFABB00}" type="datetimeFigureOut">
               <a:rPr kumimoji="1" lang="ja-JP" altLang="en-US" smtClean="0"/>
               <a:pPr/>
-              <a:t>2022/8/27</a:t>
+              <a:t>2022/8/29</a:t>
             </a:fld>
             <a:endParaRPr kumimoji="1" lang="ja-JP" altLang="en-US"/>
           </a:p>
@@ -479,7 +471,7 @@
             <a:fld id="{7FCC5AE5-E495-4913-B643-A95A6AFABB00}" type="datetimeFigureOut">
               <a:rPr kumimoji="1" lang="ja-JP" altLang="en-US" smtClean="0"/>
               <a:pPr/>
-              <a:t>2022/8/27</a:t>
+              <a:t>2022/8/29</a:t>
             </a:fld>
             <a:endParaRPr kumimoji="1" lang="ja-JP" altLang="en-US"/>
           </a:p>
@@ -656,7 +648,7 @@
             <a:fld id="{7FCC5AE5-E495-4913-B643-A95A6AFABB00}" type="datetimeFigureOut">
               <a:rPr kumimoji="1" lang="ja-JP" altLang="en-US" smtClean="0"/>
               <a:pPr/>
-              <a:t>2022/8/27</a:t>
+              <a:t>2022/8/29</a:t>
             </a:fld>
             <a:endParaRPr kumimoji="1" lang="ja-JP" altLang="en-US"/>
           </a:p>
@@ -823,7 +815,7 @@
             <a:fld id="{7FCC5AE5-E495-4913-B643-A95A6AFABB00}" type="datetimeFigureOut">
               <a:rPr kumimoji="1" lang="ja-JP" altLang="en-US" smtClean="0"/>
               <a:pPr/>
-              <a:t>2022/8/27</a:t>
+              <a:t>2022/8/29</a:t>
             </a:fld>
             <a:endParaRPr kumimoji="1" lang="ja-JP" altLang="en-US"/>
           </a:p>
@@ -1069,7 +1061,7 @@
             <a:fld id="{7FCC5AE5-E495-4913-B643-A95A6AFABB00}" type="datetimeFigureOut">
               <a:rPr kumimoji="1" lang="ja-JP" altLang="en-US" smtClean="0"/>
               <a:pPr/>
-              <a:t>2022/8/27</a:t>
+              <a:t>2022/8/29</a:t>
             </a:fld>
             <a:endParaRPr kumimoji="1" lang="ja-JP" altLang="en-US"/>
           </a:p>
@@ -1335,7 +1327,7 @@
             <a:fld id="{7FCC5AE5-E495-4913-B643-A95A6AFABB00}" type="datetimeFigureOut">
               <a:rPr kumimoji="1" lang="ja-JP" altLang="en-US" smtClean="0"/>
               <a:pPr/>
-              <a:t>2022/8/27</a:t>
+              <a:t>2022/8/29</a:t>
             </a:fld>
             <a:endParaRPr kumimoji="1" lang="ja-JP" altLang="en-US"/>
           </a:p>
@@ -1711,7 +1703,7 @@
             <a:fld id="{7FCC5AE5-E495-4913-B643-A95A6AFABB00}" type="datetimeFigureOut">
               <a:rPr kumimoji="1" lang="ja-JP" altLang="en-US" smtClean="0"/>
               <a:pPr/>
-              <a:t>2022/8/27</a:t>
+              <a:t>2022/8/29</a:t>
             </a:fld>
             <a:endParaRPr kumimoji="1" lang="ja-JP" altLang="en-US"/>
           </a:p>
@@ -1826,7 +1818,7 @@
             <a:fld id="{7FCC5AE5-E495-4913-B643-A95A6AFABB00}" type="datetimeFigureOut">
               <a:rPr kumimoji="1" lang="ja-JP" altLang="en-US" smtClean="0"/>
               <a:pPr/>
-              <a:t>2022/8/27</a:t>
+              <a:t>2022/8/29</a:t>
             </a:fld>
             <a:endParaRPr kumimoji="1" lang="ja-JP" altLang="en-US"/>
           </a:p>
@@ -1918,7 +1910,7 @@
             <a:fld id="{7FCC5AE5-E495-4913-B643-A95A6AFABB00}" type="datetimeFigureOut">
               <a:rPr kumimoji="1" lang="ja-JP" altLang="en-US" smtClean="0"/>
               <a:pPr/>
-              <a:t>2022/8/27</a:t>
+              <a:t>2022/8/29</a:t>
             </a:fld>
             <a:endParaRPr kumimoji="1" lang="ja-JP" altLang="en-US"/>
           </a:p>
@@ -2178,7 +2170,7 @@
             <a:fld id="{7FCC5AE5-E495-4913-B643-A95A6AFABB00}" type="datetimeFigureOut">
               <a:rPr kumimoji="1" lang="ja-JP" altLang="en-US" smtClean="0"/>
               <a:pPr/>
-              <a:t>2022/8/27</a:t>
+              <a:t>2022/8/29</a:t>
             </a:fld>
             <a:endParaRPr kumimoji="1" lang="ja-JP" altLang="en-US"/>
           </a:p>
@@ -2444,7 +2436,7 @@
             <a:fld id="{7FCC5AE5-E495-4913-B643-A95A6AFABB00}" type="datetimeFigureOut">
               <a:rPr kumimoji="1" lang="ja-JP" altLang="en-US" smtClean="0"/>
               <a:pPr/>
-              <a:t>2022/8/27</a:t>
+              <a:t>2022/8/29</a:t>
             </a:fld>
             <a:endParaRPr kumimoji="1" lang="ja-JP" altLang="en-US"/>
           </a:p>
@@ -2663,7 +2655,7 @@
             <a:fld id="{7FCC5AE5-E495-4913-B643-A95A6AFABB00}" type="datetimeFigureOut">
               <a:rPr kumimoji="1" lang="ja-JP" altLang="en-US" smtClean="0"/>
               <a:pPr/>
-              <a:t>2022/8/27</a:t>
+              <a:t>2022/8/29</a:t>
             </a:fld>
             <a:endParaRPr kumimoji="1" lang="ja-JP" altLang="en-US"/>
           </a:p>
@@ -3184,7 +3176,7 @@
     </p:spTree>
     <p:extLst>
       <p:ext uri="{BB962C8B-B14F-4D97-AF65-F5344CB8AC3E}">
-        <p14:creationId xmlns:p14="http://schemas.microsoft.com/office/powerpoint/2010/main" xmlns="" val="4062787881"/>
+        <p14:creationId xmlns="" xmlns:p14="http://schemas.microsoft.com/office/powerpoint/2010/main" val="4062787881"/>
       </p:ext>
     </p:extLst>
   </p:cSld>
@@ -3198,740 +3190,6 @@
       </p:par>
     </p:tnLst>
   </p:timing>
-</p:sld>
-</file>
-
-<file path=ppt/slides/slide10.xml><?xml version="1.0" encoding="utf-8"?>
-<p:sld xmlns:a="http://schemas.openxmlformats.org/drawingml/2006/main" xmlns:r="http://schemas.openxmlformats.org/officeDocument/2006/relationships" xmlns:p="http://schemas.openxmlformats.org/presentationml/2006/main">
-  <p:cSld>
-    <p:spTree>
-      <p:nvGrpSpPr>
-        <p:cNvPr id="1" name=""/>
-        <p:cNvGrpSpPr/>
-        <p:nvPr/>
-      </p:nvGrpSpPr>
-      <p:grpSpPr>
-        <a:xfrm>
-          <a:off x="0" y="0"/>
-          <a:ext cx="0" cy="0"/>
-          <a:chOff x="0" y="0"/>
-          <a:chExt cx="0" cy="0"/>
-        </a:xfrm>
-      </p:grpSpPr>
-      <p:sp>
-        <p:nvSpPr>
-          <p:cNvPr id="2" name="Title 1"/>
-          <p:cNvSpPr>
-            <a:spLocks noGrp="1"/>
-          </p:cNvSpPr>
-          <p:nvPr>
-            <p:ph type="title"/>
-          </p:nvPr>
-        </p:nvSpPr>
-        <p:spPr/>
-        <p:txBody>
-          <a:bodyPr/>
-          <a:lstStyle/>
-          <a:p>
-            <a:r>
-              <a:rPr lang="en-US" dirty="0" smtClean="0"/>
-              <a:t>Prototype Chain</a:t>
-            </a:r>
-            <a:endParaRPr lang="en-US" dirty="0"/>
-          </a:p>
-        </p:txBody>
-      </p:sp>
-      <p:pic>
-        <p:nvPicPr>
-          <p:cNvPr id="13314" name="Picture 2"/>
-          <p:cNvPicPr>
-            <a:picLocks noGrp="1" noChangeAspect="1" noChangeArrowheads="1"/>
-          </p:cNvPicPr>
-          <p:nvPr>
-            <p:ph idx="1"/>
-          </p:nvPr>
-        </p:nvPicPr>
-        <p:blipFill>
-          <a:blip r:embed="rId2"/>
-          <a:srcRect/>
-          <a:stretch>
-            <a:fillRect/>
-          </a:stretch>
-        </p:blipFill>
-        <p:spPr bwMode="auto">
-          <a:xfrm>
-            <a:off x="502919" y="1528468"/>
-            <a:ext cx="11149149" cy="5329532"/>
-          </a:xfrm>
-          <a:prstGeom prst="rect">
-            <a:avLst/>
-          </a:prstGeom>
-          <a:noFill/>
-          <a:ln w="9525">
-            <a:noFill/>
-            <a:miter lim="800000"/>
-            <a:headEnd/>
-            <a:tailEnd/>
-          </a:ln>
-          <a:effectLst/>
-        </p:spPr>
-      </p:pic>
-    </p:spTree>
-  </p:cSld>
-  <p:clrMapOvr>
-    <a:masterClrMapping/>
-  </p:clrMapOvr>
-</p:sld>
-</file>
-
-<file path=ppt/slides/slide11.xml><?xml version="1.0" encoding="utf-8"?>
-<p:sld xmlns:a="http://schemas.openxmlformats.org/drawingml/2006/main" xmlns:r="http://schemas.openxmlformats.org/officeDocument/2006/relationships" xmlns:p="http://schemas.openxmlformats.org/presentationml/2006/main">
-  <p:cSld>
-    <p:spTree>
-      <p:nvGrpSpPr>
-        <p:cNvPr id="1" name=""/>
-        <p:cNvGrpSpPr/>
-        <p:nvPr/>
-      </p:nvGrpSpPr>
-      <p:grpSpPr>
-        <a:xfrm>
-          <a:off x="0" y="0"/>
-          <a:ext cx="0" cy="0"/>
-          <a:chOff x="0" y="0"/>
-          <a:chExt cx="0" cy="0"/>
-        </a:xfrm>
-      </p:grpSpPr>
-      <p:sp>
-        <p:nvSpPr>
-          <p:cNvPr id="2" name="Title 1"/>
-          <p:cNvSpPr>
-            <a:spLocks noGrp="1"/>
-          </p:cNvSpPr>
-          <p:nvPr>
-            <p:ph type="title"/>
-          </p:nvPr>
-        </p:nvSpPr>
-        <p:spPr/>
-        <p:txBody>
-          <a:bodyPr>
-            <a:normAutofit fontScale="90000"/>
-          </a:bodyPr>
-          <a:lstStyle/>
-          <a:p>
-            <a:r>
-              <a:rPr lang="en-US" dirty="0" smtClean="0"/>
-              <a:t>Prototypal  Inheritance on Built in Objects</a:t>
-            </a:r>
-            <a:endParaRPr lang="en-US" dirty="0"/>
-          </a:p>
-        </p:txBody>
-      </p:sp>
-      <p:sp>
-        <p:nvSpPr>
-          <p:cNvPr id="4" name="Content Placeholder 3"/>
-          <p:cNvSpPr>
-            <a:spLocks noGrp="1"/>
-          </p:cNvSpPr>
-          <p:nvPr>
-            <p:ph idx="1"/>
-          </p:nvPr>
-        </p:nvSpPr>
-        <p:spPr/>
-        <p:txBody>
-          <a:bodyPr/>
-          <a:lstStyle/>
-          <a:p>
-            <a:endParaRPr lang="en-US"/>
-          </a:p>
-        </p:txBody>
-      </p:sp>
-      <p:pic>
-        <p:nvPicPr>
-          <p:cNvPr id="4098" name="Picture 2"/>
-          <p:cNvPicPr>
-            <a:picLocks noChangeAspect="1" noChangeArrowheads="1"/>
-          </p:cNvPicPr>
-          <p:nvPr/>
-        </p:nvPicPr>
-        <p:blipFill>
-          <a:blip r:embed="rId2"/>
-          <a:srcRect/>
-          <a:stretch>
-            <a:fillRect/>
-          </a:stretch>
-        </p:blipFill>
-        <p:spPr bwMode="auto">
-          <a:xfrm>
-            <a:off x="1856096" y="2477851"/>
-            <a:ext cx="9144000" cy="3267075"/>
-          </a:xfrm>
-          <a:prstGeom prst="rect">
-            <a:avLst/>
-          </a:prstGeom>
-          <a:noFill/>
-          <a:ln w="9525">
-            <a:noFill/>
-            <a:miter lim="800000"/>
-            <a:headEnd/>
-            <a:tailEnd/>
-          </a:ln>
-          <a:effectLst/>
-        </p:spPr>
-      </p:pic>
-    </p:spTree>
-  </p:cSld>
-  <p:clrMapOvr>
-    <a:masterClrMapping/>
-  </p:clrMapOvr>
-</p:sld>
-</file>
-
-<file path=ppt/slides/slide12.xml><?xml version="1.0" encoding="utf-8"?>
-<p:sld xmlns:a="http://schemas.openxmlformats.org/drawingml/2006/main" xmlns:r="http://schemas.openxmlformats.org/officeDocument/2006/relationships" xmlns:p="http://schemas.openxmlformats.org/presentationml/2006/main">
-  <p:cSld>
-    <p:spTree>
-      <p:nvGrpSpPr>
-        <p:cNvPr id="1" name=""/>
-        <p:cNvGrpSpPr/>
-        <p:nvPr/>
-      </p:nvGrpSpPr>
-      <p:grpSpPr>
-        <a:xfrm>
-          <a:off x="0" y="0"/>
-          <a:ext cx="0" cy="0"/>
-          <a:chOff x="0" y="0"/>
-          <a:chExt cx="0" cy="0"/>
-        </a:xfrm>
-      </p:grpSpPr>
-      <p:sp>
-        <p:nvSpPr>
-          <p:cNvPr id="2" name="Title 1"/>
-          <p:cNvSpPr>
-            <a:spLocks noGrp="1"/>
-          </p:cNvSpPr>
-          <p:nvPr>
-            <p:ph type="title"/>
-          </p:nvPr>
-        </p:nvSpPr>
-        <p:spPr/>
-        <p:txBody>
-          <a:bodyPr>
-            <a:normAutofit fontScale="90000"/>
-          </a:bodyPr>
-          <a:lstStyle/>
-          <a:p>
-            <a:r>
-              <a:rPr lang="en-US" dirty="0" smtClean="0"/>
-              <a:t>Prototypal  Inheritance on Built in Objects</a:t>
-            </a:r>
-            <a:endParaRPr lang="en-US" dirty="0"/>
-          </a:p>
-        </p:txBody>
-      </p:sp>
-      <p:pic>
-        <p:nvPicPr>
-          <p:cNvPr id="5122" name="Picture 2"/>
-          <p:cNvPicPr>
-            <a:picLocks noGrp="1" noChangeAspect="1" noChangeArrowheads="1"/>
-          </p:cNvPicPr>
-          <p:nvPr>
-            <p:ph idx="1"/>
-          </p:nvPr>
-        </p:nvPicPr>
-        <p:blipFill>
-          <a:blip r:embed="rId2"/>
-          <a:srcRect/>
-          <a:stretch>
-            <a:fillRect/>
-          </a:stretch>
-        </p:blipFill>
-        <p:spPr bwMode="auto">
-          <a:xfrm>
-            <a:off x="750626" y="1487607"/>
-            <a:ext cx="10208525" cy="4954136"/>
-          </a:xfrm>
-          <a:prstGeom prst="rect">
-            <a:avLst/>
-          </a:prstGeom>
-          <a:noFill/>
-          <a:ln w="9525">
-            <a:noFill/>
-            <a:miter lim="800000"/>
-            <a:headEnd/>
-            <a:tailEnd/>
-          </a:ln>
-          <a:effectLst/>
-        </p:spPr>
-      </p:pic>
-    </p:spTree>
-  </p:cSld>
-  <p:clrMapOvr>
-    <a:masterClrMapping/>
-  </p:clrMapOvr>
-</p:sld>
-</file>
-
-<file path=ppt/slides/slide13.xml><?xml version="1.0" encoding="utf-8"?>
-<p:sld xmlns:a="http://schemas.openxmlformats.org/drawingml/2006/main" xmlns:r="http://schemas.openxmlformats.org/officeDocument/2006/relationships" xmlns:p="http://schemas.openxmlformats.org/presentationml/2006/main">
-  <p:cSld>
-    <p:spTree>
-      <p:nvGrpSpPr>
-        <p:cNvPr id="1" name=""/>
-        <p:cNvGrpSpPr/>
-        <p:nvPr/>
-      </p:nvGrpSpPr>
-      <p:grpSpPr>
-        <a:xfrm>
-          <a:off x="0" y="0"/>
-          <a:ext cx="0" cy="0"/>
-          <a:chOff x="0" y="0"/>
-          <a:chExt cx="0" cy="0"/>
-        </a:xfrm>
-      </p:grpSpPr>
-      <p:sp>
-        <p:nvSpPr>
-          <p:cNvPr id="2" name="Title 1"/>
-          <p:cNvSpPr>
-            <a:spLocks noGrp="1"/>
-          </p:cNvSpPr>
-          <p:nvPr>
-            <p:ph type="title"/>
-          </p:nvPr>
-        </p:nvSpPr>
-        <p:spPr/>
-        <p:txBody>
-          <a:bodyPr/>
-          <a:lstStyle/>
-          <a:p>
-            <a:r>
-              <a:rPr lang="en-US" dirty="0" smtClean="0"/>
-              <a:t>3.How </a:t>
-            </a:r>
-            <a:r>
-              <a:rPr lang="en-US" dirty="0" err="1" smtClean="0"/>
-              <a:t>Object.create</a:t>
-            </a:r>
-            <a:r>
-              <a:rPr lang="en-US" dirty="0" smtClean="0"/>
-              <a:t> Works</a:t>
-            </a:r>
-            <a:endParaRPr lang="en-US" dirty="0"/>
-          </a:p>
-        </p:txBody>
-      </p:sp>
-      <p:pic>
-        <p:nvPicPr>
-          <p:cNvPr id="15363" name="Picture 3"/>
-          <p:cNvPicPr>
-            <a:picLocks noGrp="1" noChangeAspect="1" noChangeArrowheads="1"/>
-          </p:cNvPicPr>
-          <p:nvPr>
-            <p:ph idx="1"/>
-          </p:nvPr>
-        </p:nvPicPr>
-        <p:blipFill>
-          <a:blip r:embed="rId2"/>
-          <a:stretch>
-            <a:fillRect/>
-          </a:stretch>
-        </p:blipFill>
-        <p:spPr bwMode="auto">
-          <a:xfrm>
-            <a:off x="477672" y="1514901"/>
-            <a:ext cx="11714327" cy="4940490"/>
-          </a:xfrm>
-          <a:prstGeom prst="rect">
-            <a:avLst/>
-          </a:prstGeom>
-          <a:noFill/>
-          <a:ln w="9525">
-            <a:noFill/>
-            <a:miter lim="800000"/>
-            <a:headEnd/>
-            <a:tailEnd/>
-          </a:ln>
-          <a:effectLst/>
-        </p:spPr>
-      </p:pic>
-    </p:spTree>
-  </p:cSld>
-  <p:clrMapOvr>
-    <a:masterClrMapping/>
-  </p:clrMapOvr>
-</p:sld>
-</file>
-
-<file path=ppt/slides/slide14.xml><?xml version="1.0" encoding="utf-8"?>
-<p:sld xmlns:a="http://schemas.openxmlformats.org/drawingml/2006/main" xmlns:r="http://schemas.openxmlformats.org/officeDocument/2006/relationships" xmlns:p="http://schemas.openxmlformats.org/presentationml/2006/main">
-  <p:cSld>
-    <p:spTree>
-      <p:nvGrpSpPr>
-        <p:cNvPr id="1" name=""/>
-        <p:cNvGrpSpPr/>
-        <p:nvPr/>
-      </p:nvGrpSpPr>
-      <p:grpSpPr>
-        <a:xfrm>
-          <a:off x="0" y="0"/>
-          <a:ext cx="0" cy="0"/>
-          <a:chOff x="0" y="0"/>
-          <a:chExt cx="0" cy="0"/>
-        </a:xfrm>
-      </p:grpSpPr>
-      <p:sp>
-        <p:nvSpPr>
-          <p:cNvPr id="2" name="Title 1"/>
-          <p:cNvSpPr>
-            <a:spLocks noGrp="1"/>
-          </p:cNvSpPr>
-          <p:nvPr>
-            <p:ph type="title"/>
-          </p:nvPr>
-        </p:nvSpPr>
-        <p:spPr/>
-        <p:txBody>
-          <a:bodyPr/>
-          <a:lstStyle/>
-          <a:p>
-            <a:r>
-              <a:rPr lang="en-US" dirty="0" smtClean="0"/>
-              <a:t>Inheritance in </a:t>
-            </a:r>
-            <a:r>
-              <a:rPr lang="en-US" dirty="0" err="1" smtClean="0"/>
-              <a:t>Object.create</a:t>
-            </a:r>
-            <a:endParaRPr lang="en-US" dirty="0"/>
-          </a:p>
-        </p:txBody>
-      </p:sp>
-      <p:pic>
-        <p:nvPicPr>
-          <p:cNvPr id="16387" name="Picture 3"/>
-          <p:cNvPicPr>
-            <a:picLocks noGrp="1" noChangeAspect="1" noChangeArrowheads="1"/>
-          </p:cNvPicPr>
-          <p:nvPr>
-            <p:ph idx="1"/>
-          </p:nvPr>
-        </p:nvPicPr>
-        <p:blipFill>
-          <a:blip r:embed="rId2"/>
-          <a:srcRect/>
-          <a:stretch>
-            <a:fillRect/>
-          </a:stretch>
-        </p:blipFill>
-        <p:spPr bwMode="auto">
-          <a:xfrm>
-            <a:off x="818741" y="2001043"/>
-            <a:ext cx="10232436" cy="4386693"/>
-          </a:xfrm>
-          <a:prstGeom prst="rect">
-            <a:avLst/>
-          </a:prstGeom>
-          <a:noFill/>
-          <a:ln w="9525">
-            <a:noFill/>
-            <a:miter lim="800000"/>
-            <a:headEnd/>
-            <a:tailEnd/>
-          </a:ln>
-          <a:effectLst/>
-        </p:spPr>
-      </p:pic>
-    </p:spTree>
-  </p:cSld>
-  <p:clrMapOvr>
-    <a:masterClrMapping/>
-  </p:clrMapOvr>
-</p:sld>
-</file>
-
-<file path=ppt/slides/slide15.xml><?xml version="1.0" encoding="utf-8"?>
-<p:sld xmlns:a="http://schemas.openxmlformats.org/drawingml/2006/main" xmlns:r="http://schemas.openxmlformats.org/officeDocument/2006/relationships" xmlns:p="http://schemas.openxmlformats.org/presentationml/2006/main">
-  <p:cSld>
-    <p:spTree>
-      <p:nvGrpSpPr>
-        <p:cNvPr id="1" name=""/>
-        <p:cNvGrpSpPr/>
-        <p:nvPr/>
-      </p:nvGrpSpPr>
-      <p:grpSpPr>
-        <a:xfrm>
-          <a:off x="0" y="0"/>
-          <a:ext cx="0" cy="0"/>
-          <a:chOff x="0" y="0"/>
-          <a:chExt cx="0" cy="0"/>
-        </a:xfrm>
-      </p:grpSpPr>
-      <p:sp>
-        <p:nvSpPr>
-          <p:cNvPr id="2" name="Title 1"/>
-          <p:cNvSpPr>
-            <a:spLocks noGrp="1"/>
-          </p:cNvSpPr>
-          <p:nvPr>
-            <p:ph type="title"/>
-          </p:nvPr>
-        </p:nvSpPr>
-        <p:spPr/>
-        <p:txBody>
-          <a:bodyPr/>
-          <a:lstStyle/>
-          <a:p>
-            <a:r>
-              <a:rPr lang="en-US" dirty="0" smtClean="0"/>
-              <a:t>Inheritance – </a:t>
-            </a:r>
-            <a:r>
-              <a:rPr lang="en-US" dirty="0" err="1" smtClean="0"/>
-              <a:t>Object.create</a:t>
-            </a:r>
-            <a:endParaRPr lang="en-US" dirty="0"/>
-          </a:p>
-        </p:txBody>
-      </p:sp>
-      <p:sp>
-        <p:nvSpPr>
-          <p:cNvPr id="4" name="Content Placeholder 3"/>
-          <p:cNvSpPr>
-            <a:spLocks noGrp="1"/>
-          </p:cNvSpPr>
-          <p:nvPr>
-            <p:ph idx="1"/>
-          </p:nvPr>
-        </p:nvSpPr>
-        <p:spPr/>
-        <p:txBody>
-          <a:bodyPr/>
-          <a:lstStyle/>
-          <a:p>
-            <a:endParaRPr lang="en-US"/>
-          </a:p>
-        </p:txBody>
-      </p:sp>
-      <p:pic>
-        <p:nvPicPr>
-          <p:cNvPr id="1026" name="Picture 2"/>
-          <p:cNvPicPr>
-            <a:picLocks noChangeAspect="1" noChangeArrowheads="1"/>
-          </p:cNvPicPr>
-          <p:nvPr/>
-        </p:nvPicPr>
-        <p:blipFill>
-          <a:blip r:embed="rId2"/>
-          <a:srcRect/>
-          <a:stretch>
-            <a:fillRect/>
-          </a:stretch>
-        </p:blipFill>
-        <p:spPr bwMode="auto">
-          <a:xfrm>
-            <a:off x="2442949" y="1910190"/>
-            <a:ext cx="6946711" cy="4238625"/>
-          </a:xfrm>
-          <a:prstGeom prst="rect">
-            <a:avLst/>
-          </a:prstGeom>
-          <a:noFill/>
-          <a:ln w="9525">
-            <a:noFill/>
-            <a:miter lim="800000"/>
-            <a:headEnd/>
-            <a:tailEnd/>
-          </a:ln>
-          <a:effectLst/>
-        </p:spPr>
-      </p:pic>
-    </p:spTree>
-  </p:cSld>
-  <p:clrMapOvr>
-    <a:masterClrMapping/>
-  </p:clrMapOvr>
-</p:sld>
-</file>
-
-<file path=ppt/slides/slide16.xml><?xml version="1.0" encoding="utf-8"?>
-<p:sld xmlns:a="http://schemas.openxmlformats.org/drawingml/2006/main" xmlns:r="http://schemas.openxmlformats.org/officeDocument/2006/relationships" xmlns:p="http://schemas.openxmlformats.org/presentationml/2006/main">
-  <p:cSld>
-    <p:spTree>
-      <p:nvGrpSpPr>
-        <p:cNvPr id="1" name=""/>
-        <p:cNvGrpSpPr/>
-        <p:nvPr/>
-      </p:nvGrpSpPr>
-      <p:grpSpPr>
-        <a:xfrm>
-          <a:off x="0" y="0"/>
-          <a:ext cx="0" cy="0"/>
-          <a:chOff x="0" y="0"/>
-          <a:chExt cx="0" cy="0"/>
-        </a:xfrm>
-      </p:grpSpPr>
-      <p:sp>
-        <p:nvSpPr>
-          <p:cNvPr id="2" name="Title 1"/>
-          <p:cNvSpPr>
-            <a:spLocks noGrp="1"/>
-          </p:cNvSpPr>
-          <p:nvPr>
-            <p:ph type="title"/>
-          </p:nvPr>
-        </p:nvSpPr>
-        <p:spPr/>
-        <p:txBody>
-          <a:bodyPr/>
-          <a:lstStyle/>
-          <a:p>
-            <a:r>
-              <a:rPr lang="en-IN" dirty="0" smtClean="0"/>
-              <a:t>Abstraction</a:t>
-            </a:r>
-            <a:endParaRPr lang="en-US" dirty="0"/>
-          </a:p>
-        </p:txBody>
-      </p:sp>
-      <p:pic>
-        <p:nvPicPr>
-          <p:cNvPr id="1026" name="Picture 2"/>
-          <p:cNvPicPr>
-            <a:picLocks noGrp="1" noChangeAspect="1" noChangeArrowheads="1"/>
-          </p:cNvPicPr>
-          <p:nvPr>
-            <p:ph idx="1"/>
-          </p:nvPr>
-        </p:nvPicPr>
-        <p:blipFill>
-          <a:blip r:embed="rId2"/>
-          <a:srcRect/>
-          <a:stretch>
-            <a:fillRect/>
-          </a:stretch>
-        </p:blipFill>
-        <p:spPr bwMode="auto">
-          <a:xfrm>
-            <a:off x="1801503" y="1600200"/>
-            <a:ext cx="9212239" cy="4708525"/>
-          </a:xfrm>
-          <a:prstGeom prst="rect">
-            <a:avLst/>
-          </a:prstGeom>
-          <a:noFill/>
-          <a:ln w="9525">
-            <a:noFill/>
-            <a:miter lim="800000"/>
-            <a:headEnd/>
-            <a:tailEnd/>
-          </a:ln>
-          <a:effectLst/>
-        </p:spPr>
-      </p:pic>
-    </p:spTree>
-  </p:cSld>
-  <p:clrMapOvr>
-    <a:masterClrMapping/>
-  </p:clrMapOvr>
-</p:sld>
-</file>
-
-<file path=ppt/slides/slide17.xml><?xml version="1.0" encoding="utf-8"?>
-<p:sld xmlns:a="http://schemas.openxmlformats.org/drawingml/2006/main" xmlns:r="http://schemas.openxmlformats.org/officeDocument/2006/relationships" xmlns:p="http://schemas.openxmlformats.org/presentationml/2006/main">
-  <p:cSld>
-    <p:spTree>
-      <p:nvGrpSpPr>
-        <p:cNvPr id="1" name=""/>
-        <p:cNvGrpSpPr/>
-        <p:nvPr/>
-      </p:nvGrpSpPr>
-      <p:grpSpPr>
-        <a:xfrm>
-          <a:off x="0" y="0"/>
-          <a:ext cx="0" cy="0"/>
-          <a:chOff x="0" y="0"/>
-          <a:chExt cx="0" cy="0"/>
-        </a:xfrm>
-      </p:grpSpPr>
-      <p:sp>
-        <p:nvSpPr>
-          <p:cNvPr id="2" name="Title 1"/>
-          <p:cNvSpPr>
-            <a:spLocks noGrp="1"/>
-          </p:cNvSpPr>
-          <p:nvPr>
-            <p:ph type="title"/>
-          </p:nvPr>
-        </p:nvSpPr>
-        <p:spPr/>
-        <p:txBody>
-          <a:bodyPr/>
-          <a:lstStyle/>
-          <a:p>
-            <a:r>
-              <a:rPr lang="en-US" dirty="0" smtClean="0"/>
-              <a:t>Chaining Methods</a:t>
-            </a:r>
-            <a:endParaRPr lang="en-US" dirty="0"/>
-          </a:p>
-        </p:txBody>
-      </p:sp>
-      <p:sp>
-        <p:nvSpPr>
-          <p:cNvPr id="4" name="Content Placeholder 3"/>
-          <p:cNvSpPr>
-            <a:spLocks noGrp="1"/>
-          </p:cNvSpPr>
-          <p:nvPr>
-            <p:ph idx="1"/>
-          </p:nvPr>
-        </p:nvSpPr>
-        <p:spPr/>
-        <p:txBody>
-          <a:bodyPr/>
-          <a:lstStyle/>
-          <a:p>
-            <a:endParaRPr lang="en-US"/>
-          </a:p>
-        </p:txBody>
-      </p:sp>
-      <p:pic>
-        <p:nvPicPr>
-          <p:cNvPr id="2050" name="Picture 2"/>
-          <p:cNvPicPr>
-            <a:picLocks noChangeAspect="1" noChangeArrowheads="1"/>
-          </p:cNvPicPr>
-          <p:nvPr/>
-        </p:nvPicPr>
-        <p:blipFill>
-          <a:blip r:embed="rId2"/>
-          <a:srcRect/>
-          <a:stretch>
-            <a:fillRect/>
-          </a:stretch>
-        </p:blipFill>
-        <p:spPr bwMode="auto">
-          <a:xfrm>
-            <a:off x="1146412" y="1742293"/>
-            <a:ext cx="9935570" cy="4219575"/>
-          </a:xfrm>
-          <a:prstGeom prst="rect">
-            <a:avLst/>
-          </a:prstGeom>
-          <a:noFill/>
-          <a:ln w="9525">
-            <a:noFill/>
-            <a:miter lim="800000"/>
-            <a:headEnd/>
-            <a:tailEnd/>
-          </a:ln>
-          <a:effectLst/>
-        </p:spPr>
-      </p:pic>
-    </p:spTree>
-  </p:cSld>
-  <p:clrMapOvr>
-    <a:masterClrMapping/>
-  </p:clrMapOvr>
 </p:sld>
 </file>
 
